--- a/Agile Firestarter Autumn 2010 Intro To Agile.pptx
+++ b/Agile Firestarter Autumn 2010 Intro To Agile.pptx
@@ -317,11 +317,11 @@
         </c:dLbls>
         <c:marker val="1"/>
         <c:smooth val="0"/>
-        <c:axId val="90878464"/>
-        <c:axId val="117502464"/>
+        <c:axId val="63478784"/>
+        <c:axId val="63484672"/>
       </c:lineChart>
       <c:catAx>
-        <c:axId val="90878464"/>
+        <c:axId val="63478784"/>
         <c:scaling>
           <c:orientation val="minMax"/>
         </c:scaling>
@@ -330,7 +330,7 @@
         <c:majorTickMark val="out"/>
         <c:minorTickMark val="none"/>
         <c:tickLblPos val="nextTo"/>
-        <c:crossAx val="117502464"/>
+        <c:crossAx val="63484672"/>
         <c:crosses val="autoZero"/>
         <c:auto val="1"/>
         <c:lblAlgn val="ctr"/>
@@ -338,7 +338,7 @@
         <c:noMultiLvlLbl val="0"/>
       </c:catAx>
       <c:valAx>
-        <c:axId val="117502464"/>
+        <c:axId val="63484672"/>
         <c:scaling>
           <c:orientation val="minMax"/>
           <c:max val="1"/>
@@ -350,7 +350,7 @@
         <c:majorTickMark val="out"/>
         <c:minorTickMark val="none"/>
         <c:tickLblPos val="nextTo"/>
-        <c:crossAx val="90878464"/>
+        <c:crossAx val="63478784"/>
         <c:crosses val="autoZero"/>
         <c:crossBetween val="between"/>
       </c:valAx>
@@ -360,6 +360,7 @@
     </c:plotArea>
     <c:legend>
       <c:legendPos val="r"/>
+      <c:layout/>
       <c:overlay val="0"/>
       <c:spPr>
         <a:noFill/>
@@ -808,11 +809,11 @@
         </c:dLbls>
         <c:marker val="1"/>
         <c:smooth val="0"/>
-        <c:axId val="92641792"/>
-        <c:axId val="123782272"/>
+        <c:axId val="90976256"/>
+        <c:axId val="90977792"/>
       </c:lineChart>
       <c:catAx>
-        <c:axId val="92641792"/>
+        <c:axId val="90976256"/>
         <c:scaling>
           <c:orientation val="minMax"/>
         </c:scaling>
@@ -821,7 +822,7 @@
         <c:majorTickMark val="out"/>
         <c:minorTickMark val="none"/>
         <c:tickLblPos val="nextTo"/>
-        <c:crossAx val="123782272"/>
+        <c:crossAx val="90977792"/>
         <c:crosses val="autoZero"/>
         <c:auto val="1"/>
         <c:lblAlgn val="ctr"/>
@@ -829,7 +830,7 @@
         <c:noMultiLvlLbl val="0"/>
       </c:catAx>
       <c:valAx>
-        <c:axId val="123782272"/>
+        <c:axId val="90977792"/>
         <c:scaling>
           <c:orientation val="minMax"/>
         </c:scaling>
@@ -840,13 +841,14 @@
         <c:majorTickMark val="out"/>
         <c:minorTickMark val="none"/>
         <c:tickLblPos val="nextTo"/>
-        <c:crossAx val="92641792"/>
+        <c:crossAx val="90976256"/>
         <c:crosses val="autoZero"/>
         <c:crossBetween val="between"/>
       </c:valAx>
     </c:plotArea>
     <c:legend>
       <c:legendPos val="r"/>
+      <c:layout/>
       <c:overlay val="0"/>
     </c:legend>
     <c:plotVisOnly val="1"/>
@@ -1292,11 +1294,11 @@
         </c:dLbls>
         <c:marker val="1"/>
         <c:smooth val="0"/>
-        <c:axId val="92643840"/>
-        <c:axId val="123787456"/>
+        <c:axId val="91052288"/>
+        <c:axId val="91066368"/>
       </c:lineChart>
       <c:catAx>
-        <c:axId val="92643840"/>
+        <c:axId val="91052288"/>
         <c:scaling>
           <c:orientation val="minMax"/>
         </c:scaling>
@@ -1305,7 +1307,7 @@
         <c:majorTickMark val="out"/>
         <c:minorTickMark val="none"/>
         <c:tickLblPos val="nextTo"/>
-        <c:crossAx val="123787456"/>
+        <c:crossAx val="91066368"/>
         <c:crosses val="autoZero"/>
         <c:auto val="1"/>
         <c:lblAlgn val="ctr"/>
@@ -1313,7 +1315,7 @@
         <c:noMultiLvlLbl val="0"/>
       </c:catAx>
       <c:valAx>
-        <c:axId val="123787456"/>
+        <c:axId val="91066368"/>
         <c:scaling>
           <c:orientation val="minMax"/>
         </c:scaling>
@@ -1324,13 +1326,14 @@
         <c:majorTickMark val="out"/>
         <c:minorTickMark val="none"/>
         <c:tickLblPos val="nextTo"/>
-        <c:crossAx val="92643840"/>
+        <c:crossAx val="91052288"/>
         <c:crosses val="autoZero"/>
         <c:crossBetween val="between"/>
       </c:valAx>
     </c:plotArea>
     <c:legend>
       <c:legendPos val="r"/>
+      <c:layout/>
       <c:overlay val="0"/>
     </c:legend>
     <c:plotVisOnly val="1"/>
@@ -1776,11 +1779,11 @@
         </c:dLbls>
         <c:marker val="1"/>
         <c:smooth val="0"/>
-        <c:axId val="117009920"/>
-        <c:axId val="91072192"/>
+        <c:axId val="93737344"/>
+        <c:axId val="93738880"/>
       </c:lineChart>
       <c:catAx>
-        <c:axId val="117009920"/>
+        <c:axId val="93737344"/>
         <c:scaling>
           <c:orientation val="minMax"/>
         </c:scaling>
@@ -1789,7 +1792,7 @@
         <c:majorTickMark val="out"/>
         <c:minorTickMark val="none"/>
         <c:tickLblPos val="nextTo"/>
-        <c:crossAx val="91072192"/>
+        <c:crossAx val="93738880"/>
         <c:crosses val="autoZero"/>
         <c:auto val="1"/>
         <c:lblAlgn val="ctr"/>
@@ -1797,7 +1800,7 @@
         <c:noMultiLvlLbl val="0"/>
       </c:catAx>
       <c:valAx>
-        <c:axId val="91072192"/>
+        <c:axId val="93738880"/>
         <c:scaling>
           <c:orientation val="minMax"/>
         </c:scaling>
@@ -1808,13 +1811,14 @@
         <c:majorTickMark val="out"/>
         <c:minorTickMark val="none"/>
         <c:tickLblPos val="nextTo"/>
-        <c:crossAx val="117009920"/>
+        <c:crossAx val="93737344"/>
         <c:crosses val="autoZero"/>
         <c:crossBetween val="between"/>
       </c:valAx>
     </c:plotArea>
     <c:legend>
       <c:legendPos val="r"/>
+      <c:layout/>
       <c:overlay val="0"/>
     </c:legend>
     <c:plotVisOnly val="1"/>
@@ -1925,7 +1929,7 @@
             <a:fld id="{CC9D1E90-0DC1-41C0-86D7-5FF0EBE9F9D3}" type="datetimeFigureOut">
               <a:rPr lang="en-US" smtClean="0"/>
               <a:pPr/>
-              <a:t>11/2/2010</a:t>
+              <a:t>11/9/2010</a:t>
             </a:fld>
             <a:endParaRPr lang="en-US"/>
           </a:p>
@@ -4630,7 +4634,7 @@
             <a:fld id="{F2BCC184-CBE3-4F29-A273-6F4E5CFA4DFC}" type="datetimeFigureOut">
               <a:rPr lang="en-US" smtClean="0"/>
               <a:pPr/>
-              <a:t>11/2/2010</a:t>
+              <a:t>11/9/2010</a:t>
             </a:fld>
             <a:endParaRPr lang="en-US"/>
           </a:p>
@@ -4783,15 +4787,7 @@
                   <a:schemeClr val="bg1"/>
                 </a:solidFill>
               </a:rPr>
-              <a:t>City </a:t>
-            </a:r>
-            <a:r>
-              <a:rPr lang="en-US" i="0" baseline="0" smtClean="0">
-                <a:solidFill>
-                  <a:schemeClr val="bg1"/>
-                </a:solidFill>
-              </a:rPr>
-              <a:t>Autumn </a:t>
+              <a:t>City Autumn </a:t>
             </a:r>
             <a:r>
               <a:rPr lang="en-US" i="0" baseline="0" dirty="0" smtClean="0">
@@ -5167,7 +5163,7 @@
                   <a:schemeClr val="bg1"/>
                 </a:solidFill>
               </a:rPr>
-              <a:t>Skiff, LLC</a:t>
+              <a:t>SpringSource/VMware</a:t>
             </a:r>
             <a:endParaRPr lang="en-US" sz="2800" dirty="0">
               <a:solidFill>
@@ -8659,31 +8655,17 @@
           <a:prstGeom prst="roundRect">
             <a:avLst/>
           </a:prstGeom>
-          <a:solidFill>
-            <a:srgbClr val="FFC000"/>
-          </a:solidFill>
-          <a:ln>
-            <a:noFill/>
-          </a:ln>
-          <a:effectLst>
-            <a:outerShdw blurRad="50800" dist="38100" dir="2700000" algn="tl" rotWithShape="0">
-              <a:prstClr val="black">
-                <a:alpha val="40000"/>
-              </a:prstClr>
-            </a:outerShdw>
-          </a:effectLst>
+          <a:ln/>
         </p:spPr>
         <p:style>
-          <a:lnRef idx="2">
-            <a:schemeClr val="accent1">
-              <a:shade val="50000"/>
-            </a:schemeClr>
+          <a:lnRef idx="0">
+            <a:schemeClr val="accent6"/>
           </a:lnRef>
-          <a:fillRef idx="1">
-            <a:schemeClr val="accent1"/>
+          <a:fillRef idx="3">
+            <a:schemeClr val="accent6"/>
           </a:fillRef>
-          <a:effectRef idx="0">
-            <a:schemeClr val="accent1"/>
+          <a:effectRef idx="3">
+            <a:schemeClr val="accent6"/>
           </a:effectRef>
           <a:fontRef idx="minor">
             <a:schemeClr val="lt1"/>
@@ -8717,31 +8699,17 @@
           <a:prstGeom prst="roundRect">
             <a:avLst/>
           </a:prstGeom>
-          <a:solidFill>
-            <a:srgbClr val="FFC000"/>
-          </a:solidFill>
-          <a:ln>
-            <a:noFill/>
-          </a:ln>
-          <a:effectLst>
-            <a:outerShdw blurRad="50800" dist="38100" dir="2700000" algn="tl" rotWithShape="0">
-              <a:prstClr val="black">
-                <a:alpha val="40000"/>
-              </a:prstClr>
-            </a:outerShdw>
-          </a:effectLst>
+          <a:ln/>
         </p:spPr>
         <p:style>
-          <a:lnRef idx="2">
-            <a:schemeClr val="accent1">
-              <a:shade val="50000"/>
-            </a:schemeClr>
+          <a:lnRef idx="0">
+            <a:schemeClr val="accent6"/>
           </a:lnRef>
-          <a:fillRef idx="1">
-            <a:schemeClr val="accent1"/>
+          <a:fillRef idx="3">
+            <a:schemeClr val="accent6"/>
           </a:fillRef>
-          <a:effectRef idx="0">
-            <a:schemeClr val="accent1"/>
+          <a:effectRef idx="3">
+            <a:schemeClr val="accent6"/>
           </a:effectRef>
           <a:fontRef idx="minor">
             <a:schemeClr val="lt1"/>
@@ -8775,31 +8743,17 @@
           <a:prstGeom prst="roundRect">
             <a:avLst/>
           </a:prstGeom>
-          <a:solidFill>
-            <a:srgbClr val="FFC000"/>
-          </a:solidFill>
-          <a:ln>
-            <a:noFill/>
-          </a:ln>
-          <a:effectLst>
-            <a:outerShdw blurRad="50800" dist="38100" dir="2700000" algn="tl" rotWithShape="0">
-              <a:prstClr val="black">
-                <a:alpha val="40000"/>
-              </a:prstClr>
-            </a:outerShdw>
-          </a:effectLst>
+          <a:ln/>
         </p:spPr>
         <p:style>
-          <a:lnRef idx="2">
-            <a:schemeClr val="accent1">
-              <a:shade val="50000"/>
-            </a:schemeClr>
+          <a:lnRef idx="0">
+            <a:schemeClr val="accent6"/>
           </a:lnRef>
-          <a:fillRef idx="1">
-            <a:schemeClr val="accent1"/>
+          <a:fillRef idx="3">
+            <a:schemeClr val="accent6"/>
           </a:fillRef>
-          <a:effectRef idx="0">
-            <a:schemeClr val="accent1"/>
+          <a:effectRef idx="3">
+            <a:schemeClr val="accent6"/>
           </a:effectRef>
           <a:fontRef idx="minor">
             <a:schemeClr val="lt1"/>
@@ -16131,8 +16085,13 @@
             </a:pPr>
             <a:r>
               <a:rPr lang="en-US" sz="3200" cap="none" dirty="0" smtClean="0"/>
-              <a:t>Thanks for Coming this Morning</a:t>
-            </a:r>
+              <a:t>Thanks for Coming </a:t>
+            </a:r>
+            <a:r>
+              <a:rPr lang="en-US" sz="3200" cap="none" dirty="0" smtClean="0"/>
+              <a:t>Out Today</a:t>
+            </a:r>
+            <a:endParaRPr lang="en-US" sz="3200" cap="none" dirty="0" smtClean="0"/>
           </a:p>
         </p:txBody>
       </p:sp>
